--- a/Presentation/Project Presentation.pptx
+++ b/Presentation/Project Presentation.pptx
@@ -15297,7 +15297,7 @@
                 <a:ea typeface="+mj-ea"/>
                 <a:cs typeface="+mj-cs"/>
               </a:rPr>
-              <a:t>The probabilistic outcome for Claire portfolio is below based on analysis conducted by the system</a:t>
+              <a:t>The probabilistic outcome for Claire’s portfolio is below based on analysis conducted by the system</a:t>
             </a:r>
           </a:p>
         </p:txBody>
@@ -15647,10 +15647,10 @@
       </p:sp>
       <p:pic>
         <p:nvPicPr>
-          <p:cNvPr id="3" name="Picture 2">
+          <p:cNvPr id="5" name="Picture 4">
             <a:extLst>
               <a:ext uri="{FF2B5EF4-FFF2-40B4-BE49-F238E27FC236}">
-                <a16:creationId xmlns:a16="http://schemas.microsoft.com/office/drawing/2014/main" id="{7FC586EC-1931-5120-C67F-8D9393CA39BB}"/>
+                <a16:creationId xmlns:a16="http://schemas.microsoft.com/office/drawing/2014/main" id="{F164BED2-D556-C5E7-709A-208ABC6C7343}"/>
               </a:ext>
             </a:extLst>
           </p:cNvPr>
@@ -15667,8 +15667,8 @@
         </p:blipFill>
         <p:spPr>
           <a:xfrm>
-            <a:off x="319265" y="2733181"/>
-            <a:ext cx="11548872" cy="2973835"/>
+            <a:off x="959281" y="2971255"/>
+            <a:ext cx="10268840" cy="2667231"/>
           </a:xfrm>
           <a:prstGeom prst="rect">
             <a:avLst/>
